--- a/sketch.pptx
+++ b/sketch.pptx
@@ -270,7 +270,7 @@
           <a:p>
             <a:fld id="{AD6E3A2F-49FD-4F85-AC0B-F715520ECC56}" type="datetimeFigureOut">
               <a:rPr lang="ko-KR" altLang="en-US" smtClean="0"/>
-              <a:t>2018-12-08</a:t>
+              <a:t>2018-12-11</a:t>
             </a:fld>
             <a:endParaRPr lang="ko-KR" altLang="en-US"/>
           </a:p>
@@ -468,7 +468,7 @@
           <a:p>
             <a:fld id="{AD6E3A2F-49FD-4F85-AC0B-F715520ECC56}" type="datetimeFigureOut">
               <a:rPr lang="ko-KR" altLang="en-US" smtClean="0"/>
-              <a:t>2018-12-08</a:t>
+              <a:t>2018-12-11</a:t>
             </a:fld>
             <a:endParaRPr lang="ko-KR" altLang="en-US"/>
           </a:p>
@@ -676,7 +676,7 @@
           <a:p>
             <a:fld id="{AD6E3A2F-49FD-4F85-AC0B-F715520ECC56}" type="datetimeFigureOut">
               <a:rPr lang="ko-KR" altLang="en-US" smtClean="0"/>
-              <a:t>2018-12-08</a:t>
+              <a:t>2018-12-11</a:t>
             </a:fld>
             <a:endParaRPr lang="ko-KR" altLang="en-US"/>
           </a:p>
@@ -874,7 +874,7 @@
           <a:p>
             <a:fld id="{AD6E3A2F-49FD-4F85-AC0B-F715520ECC56}" type="datetimeFigureOut">
               <a:rPr lang="ko-KR" altLang="en-US" smtClean="0"/>
-              <a:t>2018-12-08</a:t>
+              <a:t>2018-12-11</a:t>
             </a:fld>
             <a:endParaRPr lang="ko-KR" altLang="en-US"/>
           </a:p>
@@ -1149,7 +1149,7 @@
           <a:p>
             <a:fld id="{AD6E3A2F-49FD-4F85-AC0B-F715520ECC56}" type="datetimeFigureOut">
               <a:rPr lang="ko-KR" altLang="en-US" smtClean="0"/>
-              <a:t>2018-12-08</a:t>
+              <a:t>2018-12-11</a:t>
             </a:fld>
             <a:endParaRPr lang="ko-KR" altLang="en-US"/>
           </a:p>
@@ -1414,7 +1414,7 @@
           <a:p>
             <a:fld id="{AD6E3A2F-49FD-4F85-AC0B-F715520ECC56}" type="datetimeFigureOut">
               <a:rPr lang="ko-KR" altLang="en-US" smtClean="0"/>
-              <a:t>2018-12-08</a:t>
+              <a:t>2018-12-11</a:t>
             </a:fld>
             <a:endParaRPr lang="ko-KR" altLang="en-US"/>
           </a:p>
@@ -1826,7 +1826,7 @@
           <a:p>
             <a:fld id="{AD6E3A2F-49FD-4F85-AC0B-F715520ECC56}" type="datetimeFigureOut">
               <a:rPr lang="ko-KR" altLang="en-US" smtClean="0"/>
-              <a:t>2018-12-08</a:t>
+              <a:t>2018-12-11</a:t>
             </a:fld>
             <a:endParaRPr lang="ko-KR" altLang="en-US"/>
           </a:p>
@@ -1967,7 +1967,7 @@
           <a:p>
             <a:fld id="{AD6E3A2F-49FD-4F85-AC0B-F715520ECC56}" type="datetimeFigureOut">
               <a:rPr lang="ko-KR" altLang="en-US" smtClean="0"/>
-              <a:t>2018-12-08</a:t>
+              <a:t>2018-12-11</a:t>
             </a:fld>
             <a:endParaRPr lang="ko-KR" altLang="en-US"/>
           </a:p>
@@ -2080,7 +2080,7 @@
           <a:p>
             <a:fld id="{AD6E3A2F-49FD-4F85-AC0B-F715520ECC56}" type="datetimeFigureOut">
               <a:rPr lang="ko-KR" altLang="en-US" smtClean="0"/>
-              <a:t>2018-12-08</a:t>
+              <a:t>2018-12-11</a:t>
             </a:fld>
             <a:endParaRPr lang="ko-KR" altLang="en-US"/>
           </a:p>
@@ -2391,7 +2391,7 @@
           <a:p>
             <a:fld id="{AD6E3A2F-49FD-4F85-AC0B-F715520ECC56}" type="datetimeFigureOut">
               <a:rPr lang="ko-KR" altLang="en-US" smtClean="0"/>
-              <a:t>2018-12-08</a:t>
+              <a:t>2018-12-11</a:t>
             </a:fld>
             <a:endParaRPr lang="ko-KR" altLang="en-US"/>
           </a:p>
@@ -2679,7 +2679,7 @@
           <a:p>
             <a:fld id="{AD6E3A2F-49FD-4F85-AC0B-F715520ECC56}" type="datetimeFigureOut">
               <a:rPr lang="ko-KR" altLang="en-US" smtClean="0"/>
-              <a:t>2018-12-08</a:t>
+              <a:t>2018-12-11</a:t>
             </a:fld>
             <a:endParaRPr lang="ko-KR" altLang="en-US"/>
           </a:p>
@@ -2920,7 +2920,7 @@
           <a:p>
             <a:fld id="{AD6E3A2F-49FD-4F85-AC0B-F715520ECC56}" type="datetimeFigureOut">
               <a:rPr lang="ko-KR" altLang="en-US" smtClean="0"/>
-              <a:t>2018-12-08</a:t>
+              <a:t>2018-12-11</a:t>
             </a:fld>
             <a:endParaRPr lang="ko-KR" altLang="en-US"/>
           </a:p>
@@ -3351,7 +3351,7 @@
         </p:nvSpPr>
         <p:spPr>
           <a:xfrm>
-            <a:off x="1405287" y="1097281"/>
+            <a:off x="681387" y="1097281"/>
             <a:ext cx="2868330" cy="2369880"/>
           </a:xfrm>
           <a:prstGeom prst="rect">
@@ -3448,12 +3448,29 @@
                 <a:latin typeface="나눔스퀘어 Light" panose="020B0600000101010101" pitchFamily="50" charset="-127"/>
                 <a:ea typeface="나눔스퀘어 Light" panose="020B0600000101010101" pitchFamily="50" charset="-127"/>
               </a:rPr>
-              <a:t>학과</a:t>
-            </a:r>
-            <a:endParaRPr lang="en-US" altLang="ko-KR" sz="2000" dirty="0">
-              <a:latin typeface="나눔스퀘어 Light" panose="020B0600000101010101" pitchFamily="50" charset="-127"/>
-              <a:ea typeface="나눔스퀘어 Light" panose="020B0600000101010101" pitchFamily="50" charset="-127"/>
-            </a:endParaRPr>
+              <a:t>수강 과목명</a:t>
+            </a:r>
+            <a:r>
+              <a:rPr lang="en-US" altLang="ko-KR" sz="2000" dirty="0">
+                <a:latin typeface="나눔스퀘어 Light" panose="020B0600000101010101" pitchFamily="50" charset="-127"/>
+                <a:ea typeface="나눔스퀘어 Light" panose="020B0600000101010101" pitchFamily="50" charset="-127"/>
+              </a:rPr>
+              <a:t>(</a:t>
+            </a:r>
+            <a:r>
+              <a:rPr lang="ko-KR" altLang="en-US" sz="2000" dirty="0">
+                <a:latin typeface="나눔스퀘어 Light" panose="020B0600000101010101" pitchFamily="50" charset="-127"/>
+                <a:ea typeface="나눔스퀘어 Light" panose="020B0600000101010101" pitchFamily="50" charset="-127"/>
+              </a:rPr>
+              <a:t>이 목록을 어떻게 받을 지 생각</a:t>
+            </a:r>
+            <a:r>
+              <a:rPr lang="en-US" altLang="ko-KR" sz="2000" dirty="0">
+                <a:latin typeface="나눔스퀘어 Light" panose="020B0600000101010101" pitchFamily="50" charset="-127"/>
+                <a:ea typeface="나눔스퀘어 Light" panose="020B0600000101010101" pitchFamily="50" charset="-127"/>
+              </a:rPr>
+              <a:t>)</a:t>
+            </a:r>
           </a:p>
           <a:p>
             <a:pPr marL="285750" indent="-285750">
@@ -3465,7 +3482,7 @@
                 <a:latin typeface="나눔스퀘어 Light" panose="020B0600000101010101" pitchFamily="50" charset="-127"/>
                 <a:ea typeface="나눔스퀘어 Light" panose="020B0600000101010101" pitchFamily="50" charset="-127"/>
               </a:rPr>
-              <a:t>수강 과목명</a:t>
+              <a:t>내 태그</a:t>
             </a:r>
             <a:r>
               <a:rPr lang="en-US" altLang="ko-KR" sz="2000" dirty="0">
@@ -3479,7 +3496,7 @@
                 <a:latin typeface="나눔스퀘어 Light" panose="020B0600000101010101" pitchFamily="50" charset="-127"/>
                 <a:ea typeface="나눔스퀘어 Light" panose="020B0600000101010101" pitchFamily="50" charset="-127"/>
               </a:rPr>
-              <a:t>이 목록을 어떻게 받을 지 생각</a:t>
+              <a:t>공지 부분</a:t>
             </a:r>
             <a:r>
               <a:rPr lang="en-US" altLang="ko-KR" sz="2000" dirty="0">
@@ -3505,7 +3522,7 @@
         </p:nvSpPr>
         <p:spPr>
           <a:xfrm>
-            <a:off x="5236141" y="1097281"/>
+            <a:off x="7683565" y="1097281"/>
             <a:ext cx="4254368" cy="3908762"/>
           </a:xfrm>
           <a:prstGeom prst="rect">
@@ -3836,8 +3853,8 @@
         </p:nvSpPr>
         <p:spPr>
           <a:xfrm>
-            <a:off x="1405287" y="4256773"/>
-            <a:ext cx="3003084" cy="1446550"/>
+            <a:off x="681387" y="4256773"/>
+            <a:ext cx="3534478" cy="1754326"/>
           </a:xfrm>
           <a:prstGeom prst="rect">
             <a:avLst/>
@@ -3924,6 +3941,205 @@
                 <a:ea typeface="나눔스퀘어 Light" panose="020B0600000101010101" pitchFamily="50" charset="-127"/>
               </a:rPr>
               <a:t>내가 수강하는 과목 족보</a:t>
+            </a:r>
+            <a:endParaRPr lang="en-US" altLang="ko-KR" sz="2000" dirty="0">
+              <a:latin typeface="나눔스퀘어 Light" panose="020B0600000101010101" pitchFamily="50" charset="-127"/>
+              <a:ea typeface="나눔스퀘어 Light" panose="020B0600000101010101" pitchFamily="50" charset="-127"/>
+            </a:endParaRPr>
+          </a:p>
+          <a:p>
+            <a:pPr marL="285750" indent="-285750">
+              <a:buFontTx/>
+              <a:buChar char="-"/>
+            </a:pPr>
+            <a:r>
+              <a:rPr lang="ko-KR" altLang="en-US" sz="2000" dirty="0">
+                <a:latin typeface="나눔스퀘어 Light" panose="020B0600000101010101" pitchFamily="50" charset="-127"/>
+                <a:ea typeface="나눔스퀘어 Light" panose="020B0600000101010101" pitchFamily="50" charset="-127"/>
+              </a:rPr>
+              <a:t>내가 </a:t>
+            </a:r>
+            <a:r>
+              <a:rPr lang="ko-KR" altLang="en-US" sz="2000" dirty="0" err="1">
+                <a:latin typeface="나눔스퀘어 Light" panose="020B0600000101010101" pitchFamily="50" charset="-127"/>
+                <a:ea typeface="나눔스퀘어 Light" panose="020B0600000101010101" pitchFamily="50" charset="-127"/>
+              </a:rPr>
+              <a:t>태그한</a:t>
+            </a:r>
+            <a:r>
+              <a:rPr lang="ko-KR" altLang="en-US" sz="2000" dirty="0">
+                <a:latin typeface="나눔스퀘어 Light" panose="020B0600000101010101" pitchFamily="50" charset="-127"/>
+                <a:ea typeface="나눔스퀘어 Light" panose="020B0600000101010101" pitchFamily="50" charset="-127"/>
+              </a:rPr>
+              <a:t> 태그가 있는 공지</a:t>
+            </a:r>
+            <a:endParaRPr lang="en-US" altLang="ko-KR" sz="2000" dirty="0">
+              <a:latin typeface="나눔스퀘어 Light" panose="020B0600000101010101" pitchFamily="50" charset="-127"/>
+              <a:ea typeface="나눔스퀘어 Light" panose="020B0600000101010101" pitchFamily="50" charset="-127"/>
+            </a:endParaRPr>
+          </a:p>
+        </p:txBody>
+      </p:sp>
+      <p:sp>
+        <p:nvSpPr>
+          <p:cNvPr id="5" name="TextBox 4">
+            <a:extLst>
+              <a:ext uri="{FF2B5EF4-FFF2-40B4-BE49-F238E27FC236}">
+                <a16:creationId xmlns:a16="http://schemas.microsoft.com/office/drawing/2014/main" id="{436686A6-23A7-4EA0-8FD2-23DF1CC44B1F}"/>
+              </a:ext>
+            </a:extLst>
+          </p:cNvPr>
+          <p:cNvSpPr txBox="1"/>
+          <p:nvPr/>
+        </p:nvSpPr>
+        <p:spPr>
+          <a:xfrm>
+            <a:off x="4837595" y="3795108"/>
+            <a:ext cx="4254368" cy="2677656"/>
+          </a:xfrm>
+          <a:prstGeom prst="rect">
+            <a:avLst/>
+          </a:prstGeom>
+          <a:noFill/>
+        </p:spPr>
+        <p:txBody>
+          <a:bodyPr wrap="square" rtlCol="0">
+            <a:spAutoFit/>
+          </a:bodyPr>
+          <a:lstStyle/>
+          <a:p>
+            <a:r>
+              <a:rPr lang="en-US" altLang="ko-KR" sz="2800" dirty="0">
+                <a:latin typeface="나눔스퀘어 Bold" panose="020B0600000101010101" pitchFamily="50" charset="-127"/>
+                <a:ea typeface="나눔스퀘어 Bold" panose="020B0600000101010101" pitchFamily="50" charset="-127"/>
+              </a:rPr>
+              <a:t>Notice(</a:t>
+            </a:r>
+            <a:r>
+              <a:rPr lang="ko-KR" altLang="en-US" sz="2800" dirty="0">
+                <a:latin typeface="나눔스퀘어 Bold" panose="020B0600000101010101" pitchFamily="50" charset="-127"/>
+                <a:ea typeface="나눔스퀘어 Bold" panose="020B0600000101010101" pitchFamily="50" charset="-127"/>
+              </a:rPr>
+              <a:t>공지</a:t>
+            </a:r>
+            <a:r>
+              <a:rPr lang="en-US" altLang="ko-KR" sz="2800" dirty="0">
+                <a:latin typeface="나눔스퀘어 Bold" panose="020B0600000101010101" pitchFamily="50" charset="-127"/>
+                <a:ea typeface="나눔스퀘어 Bold" panose="020B0600000101010101" pitchFamily="50" charset="-127"/>
+              </a:rPr>
+              <a:t>)</a:t>
+            </a:r>
+          </a:p>
+          <a:p>
+            <a:pPr marL="285750" indent="-285750">
+              <a:buFontTx/>
+              <a:buChar char="-"/>
+            </a:pPr>
+            <a:r>
+              <a:rPr lang="ko-KR" altLang="en-US" sz="2000" dirty="0">
+                <a:latin typeface="나눔스퀘어 Light" panose="020B0600000101010101" pitchFamily="50" charset="-127"/>
+                <a:ea typeface="나눔스퀘어 Light" panose="020B0600000101010101" pitchFamily="50" charset="-127"/>
+              </a:rPr>
+              <a:t>공지 번호</a:t>
+            </a:r>
+            <a:r>
+              <a:rPr lang="en-US" altLang="ko-KR" sz="2000" dirty="0">
+                <a:latin typeface="나눔스퀘어 Light" panose="020B0600000101010101" pitchFamily="50" charset="-127"/>
+                <a:ea typeface="나눔스퀘어 Light" panose="020B0600000101010101" pitchFamily="50" charset="-127"/>
+              </a:rPr>
+              <a:t>(seq)</a:t>
+            </a:r>
+          </a:p>
+          <a:p>
+            <a:pPr marL="285750" indent="-285750">
+              <a:buFontTx/>
+              <a:buChar char="-"/>
+            </a:pPr>
+            <a:r>
+              <a:rPr lang="en-US" altLang="ko-KR" sz="2000" dirty="0">
+                <a:latin typeface="나눔스퀘어 Light" panose="020B0600000101010101" pitchFamily="50" charset="-127"/>
+                <a:ea typeface="나눔스퀘어 Light" panose="020B0600000101010101" pitchFamily="50" charset="-127"/>
+              </a:rPr>
+              <a:t>sort</a:t>
+            </a:r>
+          </a:p>
+          <a:p>
+            <a:pPr marL="285750" indent="-285750">
+              <a:buFontTx/>
+              <a:buChar char="-"/>
+            </a:pPr>
+            <a:r>
+              <a:rPr lang="en-US" altLang="ko-KR" sz="2000" dirty="0">
+                <a:latin typeface="나눔스퀘어 Light" panose="020B0600000101010101" pitchFamily="50" charset="-127"/>
+                <a:ea typeface="나눔스퀘어 Light" panose="020B0600000101010101" pitchFamily="50" charset="-127"/>
+              </a:rPr>
+              <a:t>title</a:t>
+            </a:r>
+          </a:p>
+          <a:p>
+            <a:pPr marL="285750" indent="-285750">
+              <a:buFontTx/>
+              <a:buChar char="-"/>
+            </a:pPr>
+            <a:r>
+              <a:rPr lang="en-US" altLang="ko-KR" sz="2000" dirty="0" err="1">
+                <a:latin typeface="나눔스퀘어 Light" panose="020B0600000101010101" pitchFamily="50" charset="-127"/>
+                <a:ea typeface="나눔스퀘어 Light" panose="020B0600000101010101" pitchFamily="50" charset="-127"/>
+              </a:rPr>
+              <a:t>url</a:t>
+            </a:r>
+            <a:endParaRPr lang="en-US" altLang="ko-KR" sz="2000" dirty="0">
+              <a:latin typeface="나눔스퀘어 Light" panose="020B0600000101010101" pitchFamily="50" charset="-127"/>
+              <a:ea typeface="나눔스퀘어 Light" panose="020B0600000101010101" pitchFamily="50" charset="-127"/>
+            </a:endParaRPr>
+          </a:p>
+          <a:p>
+            <a:pPr marL="285750" indent="-285750">
+              <a:buFontTx/>
+              <a:buChar char="-"/>
+            </a:pPr>
+            <a:r>
+              <a:rPr lang="en-US" altLang="ko-KR" sz="2000" dirty="0">
+                <a:latin typeface="나눔스퀘어 Light" panose="020B0600000101010101" pitchFamily="50" charset="-127"/>
+                <a:ea typeface="나눔스퀘어 Light" panose="020B0600000101010101" pitchFamily="50" charset="-127"/>
+              </a:rPr>
+              <a:t>tags</a:t>
+            </a:r>
+          </a:p>
+          <a:p>
+            <a:endParaRPr lang="en-US" altLang="ko-KR" sz="2000" dirty="0">
+              <a:latin typeface="나눔스퀘어 Light" panose="020B0600000101010101" pitchFamily="50" charset="-127"/>
+              <a:ea typeface="나눔스퀘어 Light" panose="020B0600000101010101" pitchFamily="50" charset="-127"/>
+            </a:endParaRPr>
+          </a:p>
+          <a:p>
+            <a:r>
+              <a:rPr lang="en-US" altLang="ko-KR" sz="2000" dirty="0">
+                <a:latin typeface="나눔스퀘어 Light" panose="020B0600000101010101" pitchFamily="50" charset="-127"/>
+                <a:ea typeface="나눔스퀘어 Light" panose="020B0600000101010101" pitchFamily="50" charset="-127"/>
+              </a:rPr>
+              <a:t>Tag </a:t>
+            </a:r>
+            <a:r>
+              <a:rPr lang="ko-KR" altLang="en-US" sz="2000" dirty="0">
+                <a:latin typeface="나눔스퀘어 Light" panose="020B0600000101010101" pitchFamily="50" charset="-127"/>
+                <a:ea typeface="나눔스퀘어 Light" panose="020B0600000101010101" pitchFamily="50" charset="-127"/>
+              </a:rPr>
+              <a:t>선택 창 </a:t>
+            </a:r>
+            <a:r>
+              <a:rPr lang="en-US" altLang="ko-KR" sz="2000" dirty="0">
+                <a:latin typeface="나눔스퀘어 Light" panose="020B0600000101010101" pitchFamily="50" charset="-127"/>
+                <a:ea typeface="나눔스퀘어 Light" panose="020B0600000101010101" pitchFamily="50" charset="-127"/>
+              </a:rPr>
+              <a:t>-&gt; </a:t>
+            </a:r>
+            <a:r>
+              <a:rPr lang="ko-KR" altLang="en-US" sz="2000" dirty="0">
+                <a:latin typeface="나눔스퀘어 Light" panose="020B0600000101010101" pitchFamily="50" charset="-127"/>
+                <a:ea typeface="나눔스퀘어 Light" panose="020B0600000101010101" pitchFamily="50" charset="-127"/>
+              </a:rPr>
+              <a:t>공지 분류 창</a:t>
             </a:r>
             <a:endParaRPr lang="en-US" altLang="ko-KR" sz="2000" dirty="0">
               <a:latin typeface="나눔스퀘어 Light" panose="020B0600000101010101" pitchFamily="50" charset="-127"/>

--- a/sketch.pptx
+++ b/sketch.pptx
@@ -270,7 +270,7 @@
           <a:p>
             <a:fld id="{AD6E3A2F-49FD-4F85-AC0B-F715520ECC56}" type="datetimeFigureOut">
               <a:rPr lang="ko-KR" altLang="en-US" smtClean="0"/>
-              <a:t>2018-12-11</a:t>
+              <a:t>2018-12-12</a:t>
             </a:fld>
             <a:endParaRPr lang="ko-KR" altLang="en-US"/>
           </a:p>
@@ -468,7 +468,7 @@
           <a:p>
             <a:fld id="{AD6E3A2F-49FD-4F85-AC0B-F715520ECC56}" type="datetimeFigureOut">
               <a:rPr lang="ko-KR" altLang="en-US" smtClean="0"/>
-              <a:t>2018-12-11</a:t>
+              <a:t>2018-12-12</a:t>
             </a:fld>
             <a:endParaRPr lang="ko-KR" altLang="en-US"/>
           </a:p>
@@ -676,7 +676,7 @@
           <a:p>
             <a:fld id="{AD6E3A2F-49FD-4F85-AC0B-F715520ECC56}" type="datetimeFigureOut">
               <a:rPr lang="ko-KR" altLang="en-US" smtClean="0"/>
-              <a:t>2018-12-11</a:t>
+              <a:t>2018-12-12</a:t>
             </a:fld>
             <a:endParaRPr lang="ko-KR" altLang="en-US"/>
           </a:p>
@@ -874,7 +874,7 @@
           <a:p>
             <a:fld id="{AD6E3A2F-49FD-4F85-AC0B-F715520ECC56}" type="datetimeFigureOut">
               <a:rPr lang="ko-KR" altLang="en-US" smtClean="0"/>
-              <a:t>2018-12-11</a:t>
+              <a:t>2018-12-12</a:t>
             </a:fld>
             <a:endParaRPr lang="ko-KR" altLang="en-US"/>
           </a:p>
@@ -1149,7 +1149,7 @@
           <a:p>
             <a:fld id="{AD6E3A2F-49FD-4F85-AC0B-F715520ECC56}" type="datetimeFigureOut">
               <a:rPr lang="ko-KR" altLang="en-US" smtClean="0"/>
-              <a:t>2018-12-11</a:t>
+              <a:t>2018-12-12</a:t>
             </a:fld>
             <a:endParaRPr lang="ko-KR" altLang="en-US"/>
           </a:p>
@@ -1414,7 +1414,7 @@
           <a:p>
             <a:fld id="{AD6E3A2F-49FD-4F85-AC0B-F715520ECC56}" type="datetimeFigureOut">
               <a:rPr lang="ko-KR" altLang="en-US" smtClean="0"/>
-              <a:t>2018-12-11</a:t>
+              <a:t>2018-12-12</a:t>
             </a:fld>
             <a:endParaRPr lang="ko-KR" altLang="en-US"/>
           </a:p>
@@ -1826,7 +1826,7 @@
           <a:p>
             <a:fld id="{AD6E3A2F-49FD-4F85-AC0B-F715520ECC56}" type="datetimeFigureOut">
               <a:rPr lang="ko-KR" altLang="en-US" smtClean="0"/>
-              <a:t>2018-12-11</a:t>
+              <a:t>2018-12-12</a:t>
             </a:fld>
             <a:endParaRPr lang="ko-KR" altLang="en-US"/>
           </a:p>
@@ -1967,7 +1967,7 @@
           <a:p>
             <a:fld id="{AD6E3A2F-49FD-4F85-AC0B-F715520ECC56}" type="datetimeFigureOut">
               <a:rPr lang="ko-KR" altLang="en-US" smtClean="0"/>
-              <a:t>2018-12-11</a:t>
+              <a:t>2018-12-12</a:t>
             </a:fld>
             <a:endParaRPr lang="ko-KR" altLang="en-US"/>
           </a:p>
@@ -2080,7 +2080,7 @@
           <a:p>
             <a:fld id="{AD6E3A2F-49FD-4F85-AC0B-F715520ECC56}" type="datetimeFigureOut">
               <a:rPr lang="ko-KR" altLang="en-US" smtClean="0"/>
-              <a:t>2018-12-11</a:t>
+              <a:t>2018-12-12</a:t>
             </a:fld>
             <a:endParaRPr lang="ko-KR" altLang="en-US"/>
           </a:p>
@@ -2391,7 +2391,7 @@
           <a:p>
             <a:fld id="{AD6E3A2F-49FD-4F85-AC0B-F715520ECC56}" type="datetimeFigureOut">
               <a:rPr lang="ko-KR" altLang="en-US" smtClean="0"/>
-              <a:t>2018-12-11</a:t>
+              <a:t>2018-12-12</a:t>
             </a:fld>
             <a:endParaRPr lang="ko-KR" altLang="en-US"/>
           </a:p>
@@ -2679,7 +2679,7 @@
           <a:p>
             <a:fld id="{AD6E3A2F-49FD-4F85-AC0B-F715520ECC56}" type="datetimeFigureOut">
               <a:rPr lang="ko-KR" altLang="en-US" smtClean="0"/>
-              <a:t>2018-12-11</a:t>
+              <a:t>2018-12-12</a:t>
             </a:fld>
             <a:endParaRPr lang="ko-KR" altLang="en-US"/>
           </a:p>
@@ -2920,7 +2920,7 @@
           <a:p>
             <a:fld id="{AD6E3A2F-49FD-4F85-AC0B-F715520ECC56}" type="datetimeFigureOut">
               <a:rPr lang="ko-KR" altLang="en-US" smtClean="0"/>
-              <a:t>2018-12-11</a:t>
+              <a:t>2018-12-12</a:t>
             </a:fld>
             <a:endParaRPr lang="ko-KR" altLang="en-US"/>
           </a:p>
@@ -3351,8 +3351,8 @@
         </p:nvSpPr>
         <p:spPr>
           <a:xfrm>
-            <a:off x="681387" y="1097281"/>
-            <a:ext cx="2868330" cy="2369880"/>
+            <a:off x="681387" y="640081"/>
+            <a:ext cx="3957288" cy="3293209"/>
           </a:xfrm>
           <a:prstGeom prst="rect">
             <a:avLst/>
@@ -3489,6 +3489,85 @@
                 <a:latin typeface="나눔스퀘어 Light" panose="020B0600000101010101" pitchFamily="50" charset="-127"/>
                 <a:ea typeface="나눔스퀘어 Light" panose="020B0600000101010101" pitchFamily="50" charset="-127"/>
               </a:rPr>
+              <a:t>(notice</a:t>
+            </a:r>
+            <a:r>
+              <a:rPr lang="ko-KR" altLang="en-US" sz="2000" dirty="0">
+                <a:latin typeface="나눔스퀘어 Light" panose="020B0600000101010101" pitchFamily="50" charset="-127"/>
+                <a:ea typeface="나눔스퀘어 Light" panose="020B0600000101010101" pitchFamily="50" charset="-127"/>
+              </a:rPr>
+              <a:t>와 </a:t>
+            </a:r>
+            <a:r>
+              <a:rPr lang="en-US" altLang="ko-KR" sz="2000" dirty="0" err="1">
+                <a:latin typeface="나눔스퀘어 Light" panose="020B0600000101010101" pitchFamily="50" charset="-127"/>
+                <a:ea typeface="나눔스퀘어 Light" panose="020B0600000101010101" pitchFamily="50" charset="-127"/>
+              </a:rPr>
+              <a:t>ManyToMany</a:t>
+            </a:r>
+            <a:r>
+              <a:rPr lang="en-US" altLang="ko-KR" sz="2000" dirty="0">
+                <a:latin typeface="나눔스퀘어 Light" panose="020B0600000101010101" pitchFamily="50" charset="-127"/>
+                <a:ea typeface="나눔스퀘어 Light" panose="020B0600000101010101" pitchFamily="50" charset="-127"/>
+              </a:rPr>
+              <a:t>)</a:t>
+            </a:r>
+          </a:p>
+          <a:p>
+            <a:pPr marL="285750" indent="-285750">
+              <a:buFontTx/>
+              <a:buChar char="-"/>
+            </a:pPr>
+            <a:r>
+              <a:rPr lang="ko-KR" altLang="en-US" sz="2000" dirty="0" err="1">
+                <a:latin typeface="나눔스퀘어 Light" panose="020B0600000101010101" pitchFamily="50" charset="-127"/>
+                <a:ea typeface="나눔스퀘어 Light" panose="020B0600000101010101" pitchFamily="50" charset="-127"/>
+              </a:rPr>
+              <a:t>페북</a:t>
+            </a:r>
+            <a:r>
+              <a:rPr lang="ko-KR" altLang="en-US" sz="2000" dirty="0">
+                <a:latin typeface="나눔스퀘어 Light" panose="020B0600000101010101" pitchFamily="50" charset="-127"/>
+                <a:ea typeface="나눔스퀘어 Light" panose="020B0600000101010101" pitchFamily="50" charset="-127"/>
+              </a:rPr>
+              <a:t> 이름</a:t>
+            </a:r>
+            <a:endParaRPr lang="en-US" altLang="ko-KR" sz="2000" dirty="0">
+              <a:latin typeface="나눔스퀘어 Light" panose="020B0600000101010101" pitchFamily="50" charset="-127"/>
+              <a:ea typeface="나눔스퀘어 Light" panose="020B0600000101010101" pitchFamily="50" charset="-127"/>
+            </a:endParaRPr>
+          </a:p>
+          <a:p>
+            <a:pPr marL="285750" indent="-285750">
+              <a:buFontTx/>
+              <a:buChar char="-"/>
+            </a:pPr>
+            <a:r>
+              <a:rPr lang="ko-KR" altLang="en-US" sz="2000" dirty="0" err="1">
+                <a:latin typeface="나눔스퀘어 Light" panose="020B0600000101010101" pitchFamily="50" charset="-127"/>
+                <a:ea typeface="나눔스퀘어 Light" panose="020B0600000101010101" pitchFamily="50" charset="-127"/>
+              </a:rPr>
+              <a:t>페북</a:t>
+            </a:r>
+            <a:r>
+              <a:rPr lang="ko-KR" altLang="en-US" sz="2000" dirty="0">
+                <a:latin typeface="나눔스퀘어 Light" panose="020B0600000101010101" pitchFamily="50" charset="-127"/>
+                <a:ea typeface="나눔스퀘어 Light" panose="020B0600000101010101" pitchFamily="50" charset="-127"/>
+              </a:rPr>
+              <a:t> </a:t>
+            </a:r>
+            <a:r>
+              <a:rPr lang="en-US" altLang="ko-KR" sz="2000" dirty="0" err="1">
+                <a:latin typeface="나눔스퀘어 Light" panose="020B0600000101010101" pitchFamily="50" charset="-127"/>
+                <a:ea typeface="나눔스퀘어 Light" panose="020B0600000101010101" pitchFamily="50" charset="-127"/>
+              </a:rPr>
+              <a:t>uid</a:t>
+            </a:r>
+            <a:r>
+              <a:rPr lang="en-US" altLang="ko-KR" sz="2000" dirty="0">
+                <a:latin typeface="나눔스퀘어 Light" panose="020B0600000101010101" pitchFamily="50" charset="-127"/>
+                <a:ea typeface="나눔스퀘어 Light" panose="020B0600000101010101" pitchFamily="50" charset="-127"/>
+              </a:rPr>
               <a:t>(</a:t>
             </a:r>
             <a:r>
@@ -3496,7 +3575,21 @@
                 <a:latin typeface="나눔스퀘어 Light" panose="020B0600000101010101" pitchFamily="50" charset="-127"/>
                 <a:ea typeface="나눔스퀘어 Light" panose="020B0600000101010101" pitchFamily="50" charset="-127"/>
               </a:rPr>
-              <a:t>공지 부분</a:t>
+              <a:t>자동으로</a:t>
+            </a:r>
+            <a:r>
+              <a:rPr lang="en-US" altLang="ko-KR" sz="2000" dirty="0">
+                <a:latin typeface="나눔스퀘어 Light" panose="020B0600000101010101" pitchFamily="50" charset="-127"/>
+                <a:ea typeface="나눔스퀘어 Light" panose="020B0600000101010101" pitchFamily="50" charset="-127"/>
+              </a:rPr>
+              <a:t> &lt;- </a:t>
+            </a:r>
+            <a:r>
+              <a:rPr lang="ko-KR" altLang="en-US" sz="2000" dirty="0">
+                <a:latin typeface="나눔스퀘어 Light" panose="020B0600000101010101" pitchFamily="50" charset="-127"/>
+                <a:ea typeface="나눔스퀘어 Light" panose="020B0600000101010101" pitchFamily="50" charset="-127"/>
+              </a:rPr>
+              <a:t>이름이 겹칠 수도 있으니</a:t>
             </a:r>
             <a:r>
               <a:rPr lang="en-US" altLang="ko-KR" sz="2000" dirty="0">

--- a/sketch.pptx
+++ b/sketch.pptx
@@ -270,7 +270,7 @@
           <a:p>
             <a:fld id="{AD6E3A2F-49FD-4F85-AC0B-F715520ECC56}" type="datetimeFigureOut">
               <a:rPr lang="ko-KR" altLang="en-US" smtClean="0"/>
-              <a:t>2018-12-12</a:t>
+              <a:t>2018-12-15</a:t>
             </a:fld>
             <a:endParaRPr lang="ko-KR" altLang="en-US"/>
           </a:p>
@@ -468,7 +468,7 @@
           <a:p>
             <a:fld id="{AD6E3A2F-49FD-4F85-AC0B-F715520ECC56}" type="datetimeFigureOut">
               <a:rPr lang="ko-KR" altLang="en-US" smtClean="0"/>
-              <a:t>2018-12-12</a:t>
+              <a:t>2018-12-15</a:t>
             </a:fld>
             <a:endParaRPr lang="ko-KR" altLang="en-US"/>
           </a:p>
@@ -676,7 +676,7 @@
           <a:p>
             <a:fld id="{AD6E3A2F-49FD-4F85-AC0B-F715520ECC56}" type="datetimeFigureOut">
               <a:rPr lang="ko-KR" altLang="en-US" smtClean="0"/>
-              <a:t>2018-12-12</a:t>
+              <a:t>2018-12-15</a:t>
             </a:fld>
             <a:endParaRPr lang="ko-KR" altLang="en-US"/>
           </a:p>
@@ -874,7 +874,7 @@
           <a:p>
             <a:fld id="{AD6E3A2F-49FD-4F85-AC0B-F715520ECC56}" type="datetimeFigureOut">
               <a:rPr lang="ko-KR" altLang="en-US" smtClean="0"/>
-              <a:t>2018-12-12</a:t>
+              <a:t>2018-12-15</a:t>
             </a:fld>
             <a:endParaRPr lang="ko-KR" altLang="en-US"/>
           </a:p>
@@ -1149,7 +1149,7 @@
           <a:p>
             <a:fld id="{AD6E3A2F-49FD-4F85-AC0B-F715520ECC56}" type="datetimeFigureOut">
               <a:rPr lang="ko-KR" altLang="en-US" smtClean="0"/>
-              <a:t>2018-12-12</a:t>
+              <a:t>2018-12-15</a:t>
             </a:fld>
             <a:endParaRPr lang="ko-KR" altLang="en-US"/>
           </a:p>
@@ -1414,7 +1414,7 @@
           <a:p>
             <a:fld id="{AD6E3A2F-49FD-4F85-AC0B-F715520ECC56}" type="datetimeFigureOut">
               <a:rPr lang="ko-KR" altLang="en-US" smtClean="0"/>
-              <a:t>2018-12-12</a:t>
+              <a:t>2018-12-15</a:t>
             </a:fld>
             <a:endParaRPr lang="ko-KR" altLang="en-US"/>
           </a:p>
@@ -1826,7 +1826,7 @@
           <a:p>
             <a:fld id="{AD6E3A2F-49FD-4F85-AC0B-F715520ECC56}" type="datetimeFigureOut">
               <a:rPr lang="ko-KR" altLang="en-US" smtClean="0"/>
-              <a:t>2018-12-12</a:t>
+              <a:t>2018-12-15</a:t>
             </a:fld>
             <a:endParaRPr lang="ko-KR" altLang="en-US"/>
           </a:p>
@@ -1967,7 +1967,7 @@
           <a:p>
             <a:fld id="{AD6E3A2F-49FD-4F85-AC0B-F715520ECC56}" type="datetimeFigureOut">
               <a:rPr lang="ko-KR" altLang="en-US" smtClean="0"/>
-              <a:t>2018-12-12</a:t>
+              <a:t>2018-12-15</a:t>
             </a:fld>
             <a:endParaRPr lang="ko-KR" altLang="en-US"/>
           </a:p>
@@ -2080,7 +2080,7 @@
           <a:p>
             <a:fld id="{AD6E3A2F-49FD-4F85-AC0B-F715520ECC56}" type="datetimeFigureOut">
               <a:rPr lang="ko-KR" altLang="en-US" smtClean="0"/>
-              <a:t>2018-12-12</a:t>
+              <a:t>2018-12-15</a:t>
             </a:fld>
             <a:endParaRPr lang="ko-KR" altLang="en-US"/>
           </a:p>
@@ -2391,7 +2391,7 @@
           <a:p>
             <a:fld id="{AD6E3A2F-49FD-4F85-AC0B-F715520ECC56}" type="datetimeFigureOut">
               <a:rPr lang="ko-KR" altLang="en-US" smtClean="0"/>
-              <a:t>2018-12-12</a:t>
+              <a:t>2018-12-15</a:t>
             </a:fld>
             <a:endParaRPr lang="ko-KR" altLang="en-US"/>
           </a:p>
@@ -2679,7 +2679,7 @@
           <a:p>
             <a:fld id="{AD6E3A2F-49FD-4F85-AC0B-F715520ECC56}" type="datetimeFigureOut">
               <a:rPr lang="ko-KR" altLang="en-US" smtClean="0"/>
-              <a:t>2018-12-12</a:t>
+              <a:t>2018-12-15</a:t>
             </a:fld>
             <a:endParaRPr lang="ko-KR" altLang="en-US"/>
           </a:p>
@@ -2920,7 +2920,7 @@
           <a:p>
             <a:fld id="{AD6E3A2F-49FD-4F85-AC0B-F715520ECC56}" type="datetimeFigureOut">
               <a:rPr lang="ko-KR" altLang="en-US" smtClean="0"/>
-              <a:t>2018-12-12</a:t>
+              <a:t>2018-12-15</a:t>
             </a:fld>
             <a:endParaRPr lang="ko-KR" altLang="en-US"/>
           </a:p>
@@ -3352,7 +3352,7 @@
         <p:spPr>
           <a:xfrm>
             <a:off x="681387" y="640081"/>
-            <a:ext cx="3957288" cy="3293209"/>
+            <a:ext cx="3957288" cy="2369880"/>
           </a:xfrm>
           <a:prstGeom prst="rect">
             <a:avLst/>
@@ -3506,98 +3506,16 @@
               <a:t>ManyToMany</a:t>
             </a:r>
             <a:r>
-              <a:rPr lang="en-US" altLang="ko-KR" sz="2000" dirty="0">
+              <a:rPr lang="en-US" altLang="ko-KR" sz="2000">
                 <a:latin typeface="나눔스퀘어 Light" panose="020B0600000101010101" pitchFamily="50" charset="-127"/>
                 <a:ea typeface="나눔스퀘어 Light" panose="020B0600000101010101" pitchFamily="50" charset="-127"/>
               </a:rPr>
               <a:t>)</a:t>
-            </a:r>
-          </a:p>
-          <a:p>
-            <a:pPr marL="285750" indent="-285750">
-              <a:buFontTx/>
-              <a:buChar char="-"/>
-            </a:pPr>
-            <a:r>
-              <a:rPr lang="ko-KR" altLang="en-US" sz="2000" dirty="0" err="1">
-                <a:latin typeface="나눔스퀘어 Light" panose="020B0600000101010101" pitchFamily="50" charset="-127"/>
-                <a:ea typeface="나눔스퀘어 Light" panose="020B0600000101010101" pitchFamily="50" charset="-127"/>
-              </a:rPr>
-              <a:t>페북</a:t>
-            </a:r>
-            <a:r>
-              <a:rPr lang="ko-KR" altLang="en-US" sz="2000" dirty="0">
-                <a:latin typeface="나눔스퀘어 Light" panose="020B0600000101010101" pitchFamily="50" charset="-127"/>
-                <a:ea typeface="나눔스퀘어 Light" panose="020B0600000101010101" pitchFamily="50" charset="-127"/>
-              </a:rPr>
-              <a:t> 이름</a:t>
             </a:r>
             <a:endParaRPr lang="en-US" altLang="ko-KR" sz="2000" dirty="0">
               <a:latin typeface="나눔스퀘어 Light" panose="020B0600000101010101" pitchFamily="50" charset="-127"/>
               <a:ea typeface="나눔스퀘어 Light" panose="020B0600000101010101" pitchFamily="50" charset="-127"/>
             </a:endParaRPr>
-          </a:p>
-          <a:p>
-            <a:pPr marL="285750" indent="-285750">
-              <a:buFontTx/>
-              <a:buChar char="-"/>
-            </a:pPr>
-            <a:r>
-              <a:rPr lang="ko-KR" altLang="en-US" sz="2000" dirty="0" err="1">
-                <a:latin typeface="나눔스퀘어 Light" panose="020B0600000101010101" pitchFamily="50" charset="-127"/>
-                <a:ea typeface="나눔스퀘어 Light" panose="020B0600000101010101" pitchFamily="50" charset="-127"/>
-              </a:rPr>
-              <a:t>페북</a:t>
-            </a:r>
-            <a:r>
-              <a:rPr lang="ko-KR" altLang="en-US" sz="2000" dirty="0">
-                <a:latin typeface="나눔스퀘어 Light" panose="020B0600000101010101" pitchFamily="50" charset="-127"/>
-                <a:ea typeface="나눔스퀘어 Light" panose="020B0600000101010101" pitchFamily="50" charset="-127"/>
-              </a:rPr>
-              <a:t> </a:t>
-            </a:r>
-            <a:r>
-              <a:rPr lang="en-US" altLang="ko-KR" sz="2000" dirty="0" err="1">
-                <a:latin typeface="나눔스퀘어 Light" panose="020B0600000101010101" pitchFamily="50" charset="-127"/>
-                <a:ea typeface="나눔스퀘어 Light" panose="020B0600000101010101" pitchFamily="50" charset="-127"/>
-              </a:rPr>
-              <a:t>uid</a:t>
-            </a:r>
-            <a:r>
-              <a:rPr lang="en-US" altLang="ko-KR" sz="2000" dirty="0">
-                <a:latin typeface="나눔스퀘어 Light" panose="020B0600000101010101" pitchFamily="50" charset="-127"/>
-                <a:ea typeface="나눔스퀘어 Light" panose="020B0600000101010101" pitchFamily="50" charset="-127"/>
-              </a:rPr>
-              <a:t>(</a:t>
-            </a:r>
-            <a:r>
-              <a:rPr lang="ko-KR" altLang="en-US" sz="2000" dirty="0">
-                <a:latin typeface="나눔스퀘어 Light" panose="020B0600000101010101" pitchFamily="50" charset="-127"/>
-                <a:ea typeface="나눔스퀘어 Light" panose="020B0600000101010101" pitchFamily="50" charset="-127"/>
-              </a:rPr>
-              <a:t>자동으로</a:t>
-            </a:r>
-            <a:r>
-              <a:rPr lang="en-US" altLang="ko-KR" sz="2000" dirty="0">
-                <a:latin typeface="나눔스퀘어 Light" panose="020B0600000101010101" pitchFamily="50" charset="-127"/>
-                <a:ea typeface="나눔스퀘어 Light" panose="020B0600000101010101" pitchFamily="50" charset="-127"/>
-              </a:rPr>
-              <a:t> &lt;- </a:t>
-            </a:r>
-            <a:r>
-              <a:rPr lang="ko-KR" altLang="en-US" sz="2000" dirty="0">
-                <a:latin typeface="나눔스퀘어 Light" panose="020B0600000101010101" pitchFamily="50" charset="-127"/>
-                <a:ea typeface="나눔스퀘어 Light" panose="020B0600000101010101" pitchFamily="50" charset="-127"/>
-              </a:rPr>
-              <a:t>이름이 겹칠 수도 있으니</a:t>
-            </a:r>
-            <a:r>
-              <a:rPr lang="en-US" altLang="ko-KR" sz="2000" dirty="0">
-                <a:latin typeface="나눔스퀘어 Light" panose="020B0600000101010101" pitchFamily="50" charset="-127"/>
-                <a:ea typeface="나눔스퀘어 Light" panose="020B0600000101010101" pitchFamily="50" charset="-127"/>
-              </a:rPr>
-              <a:t>)</a:t>
-            </a:r>
           </a:p>
         </p:txBody>
       </p:sp>
